--- a/template.pptx
+++ b/template.pptx
@@ -101,6 +101,11 @@
       </a:defRPr>
     </a:lvl9pPr>
   </p:defaultTextStyle>
+  <p:extLst>
+    <p:ext uri="{EFAFB233-063F-42B5-8137-9DF3F51BA10A}">
+      <p15:sldGuideLst xmlns:p15="http://schemas.microsoft.com/office/powerpoint/2012/main"/>
+    </p:ext>
+  </p:extLst>
 </p:presentation>
 </file>
 
@@ -3200,35 +3205,35 @@
           <a:p>
             <a:pPr lvl="0"/>
             <a:r>
-              <a:rPr lang="zh-TW" altLang="en-US"/>
+              <a:rPr lang="zh-TW" altLang="en-US" dirty="0"/>
               <a:t>按一下以編輯母片文字樣式</a:t>
             </a:r>
           </a:p>
           <a:p>
             <a:pPr lvl="1"/>
             <a:r>
-              <a:rPr lang="zh-TW" altLang="en-US"/>
+              <a:rPr lang="zh-TW" altLang="en-US" dirty="0"/>
               <a:t>第二層</a:t>
             </a:r>
           </a:p>
           <a:p>
             <a:pPr lvl="2"/>
             <a:r>
-              <a:rPr lang="zh-TW" altLang="en-US"/>
+              <a:rPr lang="zh-TW" altLang="en-US" dirty="0"/>
               <a:t>第三層</a:t>
             </a:r>
           </a:p>
           <a:p>
             <a:pPr lvl="3"/>
             <a:r>
-              <a:rPr lang="zh-TW" altLang="en-US"/>
+              <a:rPr lang="zh-TW" altLang="en-US" dirty="0"/>
               <a:t>第四層</a:t>
             </a:r>
           </a:p>
           <a:p>
             <a:pPr lvl="4"/>
             <a:r>
-              <a:rPr lang="zh-TW" altLang="en-US"/>
+              <a:rPr lang="zh-TW" altLang="en-US" dirty="0"/>
               <a:t>第五層</a:t>
             </a:r>
             <a:endParaRPr lang="en-US" dirty="0"/>
@@ -3431,7 +3436,7 @@
       </a:lvl1pPr>
     </p:titleStyle>
     <p:bodyStyle>
-      <a:lvl1pPr marL="91440" indent="-91440" algn="l" defTabSz="914400" rtl="0" eaLnBrk="1" latinLnBrk="0" hangingPunct="1">
+      <a:lvl1pPr marL="266700" indent="-266700" algn="l" defTabSz="914400" rtl="0" eaLnBrk="1" latinLnBrk="0" hangingPunct="1">
         <a:lnSpc>
           <a:spcPct val="90000"/>
         </a:lnSpc>
@@ -3445,8 +3450,8 @@
           <a:schemeClr val="accent1"/>
         </a:buClr>
         <a:buSzPct val="100000"/>
-        <a:buFont typeface="Calibri" panose="020F0502020204030204" pitchFamily="34" charset="0"/>
-        <a:buChar char=" "/>
+        <a:buFont typeface="Wingdings" panose="05000000000000000000" pitchFamily="2" charset="2"/>
+        <a:buChar char="p"/>
         <a:defRPr sz="2000" kern="1200">
           <a:solidFill>
             <a:schemeClr val="tx1">
